--- a/Case_Integrasjon_Developer PPT.pptx
+++ b/Case_Integrasjon_Developer PPT.pptx
@@ -318,6 +318,11 @@
       </a:defRPr>
     </a:lvl9pPr>
   </p:defaultTextStyle>
+  <p:extLst>
+    <p:ext uri="{EFAFB233-063F-42B5-8137-9DF3F51BA10A}">
+      <p15:sldGuideLst xmlns:p15="http://schemas.microsoft.com/office/powerpoint/2012/main"/>
+    </p:ext>
+  </p:extLst>
 </p:presentation>
 </file>
 
@@ -548,7 +553,7 @@
           </a:ln>
           <a:extLst>
             <a:ext uri="{C572A759-6A51-4108-AA02-DFA0A04FC94B}">
-              <ma14:wrappingTextBoxFlag xmlns:ma14="http://schemas.microsoft.com/office/mac/drawingml/2011/main" xmlns:a14="http://schemas.microsoft.com/office/drawing/2010/main" xmlns:m="http://schemas.openxmlformats.org/officeDocument/2006/math" xmlns="" val="1"/>
+              <ma14:wrappingTextBoxFlag xmlns="" xmlns:m="http://schemas.openxmlformats.org/officeDocument/2006/math" xmlns:a14="http://schemas.microsoft.com/office/drawing/2010/main" xmlns:ma14="http://schemas.microsoft.com/office/mac/drawingml/2011/main" val="1"/>
             </a:ext>
           </a:extLst>
         </p:spPr>
@@ -936,7 +941,7 @@
           </a:ln>
           <a:extLst>
             <a:ext uri="{C572A759-6A51-4108-AA02-DFA0A04FC94B}">
-              <ma14:wrappingTextBoxFlag xmlns:ma14="http://schemas.microsoft.com/office/mac/drawingml/2011/main" xmlns:a14="http://schemas.microsoft.com/office/drawing/2010/main" xmlns:m="http://schemas.openxmlformats.org/officeDocument/2006/math" xmlns="" val="1"/>
+              <ma14:wrappingTextBoxFlag xmlns="" xmlns:m="http://schemas.openxmlformats.org/officeDocument/2006/math" xmlns:a14="http://schemas.microsoft.com/office/drawing/2010/main" xmlns:ma14="http://schemas.microsoft.com/office/mac/drawingml/2011/main" val="1"/>
             </a:ext>
           </a:extLst>
         </p:spPr>
@@ -1169,7 +1174,7 @@
           </a:ln>
           <a:extLst>
             <a:ext uri="{C572A759-6A51-4108-AA02-DFA0A04FC94B}">
-              <ma14:wrappingTextBoxFlag xmlns:ma14="http://schemas.microsoft.com/office/mac/drawingml/2011/main" xmlns:a14="http://schemas.microsoft.com/office/drawing/2010/main" xmlns:m="http://schemas.openxmlformats.org/officeDocument/2006/math" xmlns="" val="1"/>
+              <ma14:wrappingTextBoxFlag xmlns="" xmlns:m="http://schemas.openxmlformats.org/officeDocument/2006/math" xmlns:a14="http://schemas.microsoft.com/office/drawing/2010/main" xmlns:ma14="http://schemas.microsoft.com/office/mac/drawingml/2011/main" val="1"/>
             </a:ext>
           </a:extLst>
         </p:spPr>
@@ -1402,7 +1407,7 @@
           </a:ln>
           <a:extLst>
             <a:ext uri="{C572A759-6A51-4108-AA02-DFA0A04FC94B}">
-              <ma14:wrappingTextBoxFlag xmlns:ma14="http://schemas.microsoft.com/office/mac/drawingml/2011/main" xmlns:a14="http://schemas.microsoft.com/office/drawing/2010/main" xmlns:m="http://schemas.openxmlformats.org/officeDocument/2006/math" xmlns="" val="1"/>
+              <ma14:wrappingTextBoxFlag xmlns="" xmlns:m="http://schemas.openxmlformats.org/officeDocument/2006/math" xmlns:a14="http://schemas.microsoft.com/office/drawing/2010/main" xmlns:ma14="http://schemas.microsoft.com/office/mac/drawingml/2011/main" val="1"/>
             </a:ext>
           </a:extLst>
         </p:spPr>
@@ -1664,7 +1669,7 @@
           </a:ln>
           <a:extLst>
             <a:ext uri="{C572A759-6A51-4108-AA02-DFA0A04FC94B}">
-              <ma14:wrappingTextBoxFlag xmlns:ma14="http://schemas.microsoft.com/office/mac/drawingml/2011/main" xmlns:a14="http://schemas.microsoft.com/office/drawing/2010/main" xmlns:m="http://schemas.openxmlformats.org/officeDocument/2006/math" xmlns="" val="1"/>
+              <ma14:wrappingTextBoxFlag xmlns="" xmlns:m="http://schemas.openxmlformats.org/officeDocument/2006/math" xmlns:a14="http://schemas.microsoft.com/office/drawing/2010/main" xmlns:ma14="http://schemas.microsoft.com/office/mac/drawingml/2011/main" val="1"/>
             </a:ext>
           </a:extLst>
         </p:spPr>
@@ -1928,7 +1933,7 @@
           </a:ln>
           <a:extLst>
             <a:ext uri="{C572A759-6A51-4108-AA02-DFA0A04FC94B}">
-              <ma14:wrappingTextBoxFlag xmlns:ma14="http://schemas.microsoft.com/office/mac/drawingml/2011/main" xmlns:a14="http://schemas.microsoft.com/office/drawing/2010/main" xmlns:m="http://schemas.openxmlformats.org/officeDocument/2006/math" xmlns="" val="1"/>
+              <ma14:wrappingTextBoxFlag xmlns="" xmlns:m="http://schemas.openxmlformats.org/officeDocument/2006/math" xmlns:a14="http://schemas.microsoft.com/office/drawing/2010/main" xmlns:ma14="http://schemas.microsoft.com/office/mac/drawingml/2011/main" val="1"/>
             </a:ext>
           </a:extLst>
         </p:spPr>
@@ -2210,7 +2215,7 @@
           </a:ln>
           <a:extLst>
             <a:ext uri="{C572A759-6A51-4108-AA02-DFA0A04FC94B}">
-              <ma14:wrappingTextBoxFlag xmlns:ma14="http://schemas.microsoft.com/office/mac/drawingml/2011/main" xmlns:a14="http://schemas.microsoft.com/office/drawing/2010/main" xmlns:m="http://schemas.openxmlformats.org/officeDocument/2006/math" xmlns="" val="1"/>
+              <ma14:wrappingTextBoxFlag xmlns="" xmlns:m="http://schemas.openxmlformats.org/officeDocument/2006/math" xmlns:a14="http://schemas.microsoft.com/office/drawing/2010/main" xmlns:ma14="http://schemas.microsoft.com/office/mac/drawingml/2011/main" val="1"/>
             </a:ext>
           </a:extLst>
         </p:spPr>
@@ -2344,7 +2349,7 @@
           </a:ln>
           <a:extLst>
             <a:ext uri="{C572A759-6A51-4108-AA02-DFA0A04FC94B}">
-              <ma14:wrappingTextBoxFlag xmlns:ma14="http://schemas.microsoft.com/office/mac/drawingml/2011/main" xmlns:a14="http://schemas.microsoft.com/office/drawing/2010/main" xmlns:m="http://schemas.openxmlformats.org/officeDocument/2006/math" xmlns="" val="1"/>
+              <ma14:wrappingTextBoxFlag xmlns="" xmlns:m="http://schemas.openxmlformats.org/officeDocument/2006/math" xmlns:a14="http://schemas.microsoft.com/office/drawing/2010/main" xmlns:ma14="http://schemas.microsoft.com/office/mac/drawingml/2011/main" val="1"/>
             </a:ext>
           </a:extLst>
         </p:spPr>
@@ -2591,7 +2596,7 @@
           </a:ln>
           <a:extLst>
             <a:ext uri="{C572A759-6A51-4108-AA02-DFA0A04FC94B}">
-              <ma14:wrappingTextBoxFlag xmlns:ma14="http://schemas.microsoft.com/office/mac/drawingml/2011/main" xmlns:a14="http://schemas.microsoft.com/office/drawing/2010/main" xmlns:m="http://schemas.openxmlformats.org/officeDocument/2006/math" xmlns="" val="1"/>
+              <ma14:wrappingTextBoxFlag xmlns="" xmlns:m="http://schemas.openxmlformats.org/officeDocument/2006/math" xmlns:a14="http://schemas.microsoft.com/office/drawing/2010/main" xmlns:ma14="http://schemas.microsoft.com/office/mac/drawingml/2011/main" val="1"/>
             </a:ext>
           </a:extLst>
         </p:spPr>
@@ -2867,7 +2872,7 @@
           </a:ln>
           <a:extLst>
             <a:ext uri="{C572A759-6A51-4108-AA02-DFA0A04FC94B}">
-              <ma14:wrappingTextBoxFlag xmlns:ma14="http://schemas.microsoft.com/office/mac/drawingml/2011/main" xmlns:a14="http://schemas.microsoft.com/office/drawing/2010/main" xmlns:m="http://schemas.openxmlformats.org/officeDocument/2006/math" xmlns="" val="1"/>
+              <ma14:wrappingTextBoxFlag xmlns="" xmlns:m="http://schemas.openxmlformats.org/officeDocument/2006/math" xmlns:a14="http://schemas.microsoft.com/office/drawing/2010/main" xmlns:ma14="http://schemas.microsoft.com/office/mac/drawingml/2011/main" val="1"/>
             </a:ext>
           </a:extLst>
         </p:spPr>
@@ -3269,7 +3274,7 @@
           </a:ln>
           <a:extLst>
             <a:ext uri="{C572A759-6A51-4108-AA02-DFA0A04FC94B}">
-              <ma14:wrappingTextBoxFlag xmlns:ma14="http://schemas.microsoft.com/office/mac/drawingml/2011/main" xmlns:a14="http://schemas.microsoft.com/office/drawing/2010/main" xmlns:m="http://schemas.openxmlformats.org/officeDocument/2006/math" xmlns="" val="1"/>
+              <ma14:wrappingTextBoxFlag xmlns="" xmlns:m="http://schemas.openxmlformats.org/officeDocument/2006/math" xmlns:a14="http://schemas.microsoft.com/office/drawing/2010/main" xmlns:ma14="http://schemas.microsoft.com/office/mac/drawingml/2011/main" val="1"/>
             </a:ext>
           </a:extLst>
         </p:spPr>
@@ -3818,7 +3823,7 @@
           </a:ln>
           <a:extLst>
             <a:ext uri="{C572A759-6A51-4108-AA02-DFA0A04FC94B}">
-              <ma14:wrappingTextBoxFlag xmlns:ma14="http://schemas.microsoft.com/office/mac/drawingml/2011/main" xmlns:a14="http://schemas.microsoft.com/office/drawing/2010/main" xmlns:m="http://schemas.openxmlformats.org/officeDocument/2006/math" xmlns="" val="1"/>
+              <ma14:wrappingTextBoxFlag xmlns="" xmlns:m="http://schemas.openxmlformats.org/officeDocument/2006/math" xmlns:a14="http://schemas.microsoft.com/office/drawing/2010/main" xmlns:ma14="http://schemas.microsoft.com/office/mac/drawingml/2011/main" val="1"/>
             </a:ext>
           </a:extLst>
         </p:spPr>
@@ -4008,7 +4013,7 @@
           </a:ln>
           <a:extLst>
             <a:ext uri="{C572A759-6A51-4108-AA02-DFA0A04FC94B}">
-              <ma14:wrappingTextBoxFlag xmlns:ma14="http://schemas.microsoft.com/office/mac/drawingml/2011/main" xmlns:a14="http://schemas.microsoft.com/office/drawing/2010/main" xmlns:m="http://schemas.openxmlformats.org/officeDocument/2006/math" xmlns="" val="1"/>
+              <ma14:wrappingTextBoxFlag xmlns="" xmlns:m="http://schemas.openxmlformats.org/officeDocument/2006/math" xmlns:a14="http://schemas.microsoft.com/office/drawing/2010/main" xmlns:ma14="http://schemas.microsoft.com/office/mac/drawingml/2011/main" val="1"/>
             </a:ext>
           </a:extLst>
         </p:spPr>
@@ -4425,7 +4430,7 @@
           </a:ln>
           <a:extLst>
             <a:ext uri="{C572A759-6A51-4108-AA02-DFA0A04FC94B}">
-              <ma14:wrappingTextBoxFlag xmlns:ma14="http://schemas.microsoft.com/office/mac/drawingml/2011/main" xmlns:a14="http://schemas.microsoft.com/office/drawing/2010/main" xmlns:m="http://schemas.openxmlformats.org/officeDocument/2006/math" xmlns="" val="1"/>
+              <ma14:wrappingTextBoxFlag xmlns="" xmlns:m="http://schemas.openxmlformats.org/officeDocument/2006/math" xmlns:a14="http://schemas.microsoft.com/office/drawing/2010/main" xmlns:ma14="http://schemas.microsoft.com/office/mac/drawingml/2011/main" val="1"/>
             </a:ext>
           </a:extLst>
         </p:spPr>
@@ -4578,7 +4583,7 @@
           </a:ln>
           <a:extLst>
             <a:ext uri="{C572A759-6A51-4108-AA02-DFA0A04FC94B}">
-              <ma14:wrappingTextBoxFlag xmlns:ma14="http://schemas.microsoft.com/office/mac/drawingml/2011/main" xmlns:a14="http://schemas.microsoft.com/office/drawing/2010/main" xmlns:m="http://schemas.openxmlformats.org/officeDocument/2006/math" xmlns="" val="1"/>
+              <ma14:wrappingTextBoxFlag xmlns="" xmlns:m="http://schemas.openxmlformats.org/officeDocument/2006/math" xmlns:a14="http://schemas.microsoft.com/office/drawing/2010/main" xmlns:ma14="http://schemas.microsoft.com/office/mac/drawingml/2011/main" val="1"/>
             </a:ext>
           </a:extLst>
         </p:spPr>
@@ -4768,7 +4773,7 @@
           </a:ln>
           <a:extLst>
             <a:ext uri="{C572A759-6A51-4108-AA02-DFA0A04FC94B}">
-              <ma14:wrappingTextBoxFlag xmlns:ma14="http://schemas.microsoft.com/office/mac/drawingml/2011/main" xmlns:a14="http://schemas.microsoft.com/office/drawing/2010/main" xmlns:m="http://schemas.openxmlformats.org/officeDocument/2006/math" xmlns="" val="1"/>
+              <ma14:wrappingTextBoxFlag xmlns="" xmlns:m="http://schemas.openxmlformats.org/officeDocument/2006/math" xmlns:a14="http://schemas.microsoft.com/office/drawing/2010/main" xmlns:ma14="http://schemas.microsoft.com/office/mac/drawingml/2011/main" val="1"/>
             </a:ext>
           </a:extLst>
         </p:spPr>
@@ -5182,7 +5187,7 @@
           </a:ln>
           <a:extLst>
             <a:ext uri="{C572A759-6A51-4108-AA02-DFA0A04FC94B}">
-              <ma14:wrappingTextBoxFlag xmlns:ma14="http://schemas.microsoft.com/office/mac/drawingml/2011/main" xmlns:a14="http://schemas.microsoft.com/office/drawing/2010/main" xmlns:m="http://schemas.openxmlformats.org/officeDocument/2006/math" xmlns="" val="1"/>
+              <ma14:wrappingTextBoxFlag xmlns="" xmlns:m="http://schemas.openxmlformats.org/officeDocument/2006/math" xmlns:a14="http://schemas.microsoft.com/office/drawing/2010/main" xmlns:ma14="http://schemas.microsoft.com/office/mac/drawingml/2011/main" val="1"/>
             </a:ext>
           </a:extLst>
         </p:spPr>
@@ -5316,7 +5321,7 @@
           </a:ln>
           <a:extLst>
             <a:ext uri="{C572A759-6A51-4108-AA02-DFA0A04FC94B}">
-              <ma14:wrappingTextBoxFlag xmlns:ma14="http://schemas.microsoft.com/office/mac/drawingml/2011/main" xmlns:a14="http://schemas.microsoft.com/office/drawing/2010/main" xmlns:m="http://schemas.openxmlformats.org/officeDocument/2006/math" xmlns="" val="1"/>
+              <ma14:wrappingTextBoxFlag xmlns="" xmlns:m="http://schemas.openxmlformats.org/officeDocument/2006/math" xmlns:a14="http://schemas.microsoft.com/office/drawing/2010/main" xmlns:ma14="http://schemas.microsoft.com/office/mac/drawingml/2011/main" val="1"/>
             </a:ext>
           </a:extLst>
         </p:spPr>
@@ -5818,7 +5823,7 @@
           </a:ln>
           <a:extLst>
             <a:ext uri="{C572A759-6A51-4108-AA02-DFA0A04FC94B}">
-              <ma14:wrappingTextBoxFlag xmlns:ma14="http://schemas.microsoft.com/office/mac/drawingml/2011/main" xmlns:a14="http://schemas.microsoft.com/office/drawing/2010/main" xmlns:m="http://schemas.openxmlformats.org/officeDocument/2006/math" xmlns="" val="1"/>
+              <ma14:wrappingTextBoxFlag xmlns="" xmlns:m="http://schemas.openxmlformats.org/officeDocument/2006/math" xmlns:a14="http://schemas.microsoft.com/office/drawing/2010/main" xmlns:ma14="http://schemas.microsoft.com/office/mac/drawingml/2011/main" val="1"/>
             </a:ext>
           </a:extLst>
         </p:spPr>
@@ -6240,7 +6245,7 @@
           </a:ln>
           <a:extLst>
             <a:ext uri="{C572A759-6A51-4108-AA02-DFA0A04FC94B}">
-              <ma14:wrappingTextBoxFlag xmlns:ma14="http://schemas.microsoft.com/office/mac/drawingml/2011/main" xmlns:a14="http://schemas.microsoft.com/office/drawing/2010/main" xmlns:m="http://schemas.openxmlformats.org/officeDocument/2006/math" xmlns="" val="1"/>
+              <ma14:wrappingTextBoxFlag xmlns="" xmlns:m="http://schemas.openxmlformats.org/officeDocument/2006/math" xmlns:a14="http://schemas.microsoft.com/office/drawing/2010/main" xmlns:ma14="http://schemas.microsoft.com/office/mac/drawingml/2011/main" val="1"/>
             </a:ext>
           </a:extLst>
         </p:spPr>
@@ -6403,7 +6408,7 @@
           </a:ln>
           <a:extLst>
             <a:ext uri="{C572A759-6A51-4108-AA02-DFA0A04FC94B}">
-              <ma14:wrappingTextBoxFlag xmlns:ma14="http://schemas.microsoft.com/office/mac/drawingml/2011/main" xmlns:a14="http://schemas.microsoft.com/office/drawing/2010/main" xmlns:m="http://schemas.openxmlformats.org/officeDocument/2006/math" xmlns="" val="1"/>
+              <ma14:wrappingTextBoxFlag xmlns="" xmlns:m="http://schemas.openxmlformats.org/officeDocument/2006/math" xmlns:a14="http://schemas.microsoft.com/office/drawing/2010/main" xmlns:ma14="http://schemas.microsoft.com/office/mac/drawingml/2011/main" val="1"/>
             </a:ext>
           </a:extLst>
         </p:spPr>
@@ -6655,7 +6660,7 @@
           </a:ln>
           <a:extLst>
             <a:ext uri="{C572A759-6A51-4108-AA02-DFA0A04FC94B}">
-              <ma14:wrappingTextBoxFlag xmlns:ma14="http://schemas.microsoft.com/office/mac/drawingml/2011/main" xmlns:a14="http://schemas.microsoft.com/office/drawing/2010/main" xmlns:m="http://schemas.openxmlformats.org/officeDocument/2006/math" xmlns="" val="1"/>
+              <ma14:wrappingTextBoxFlag xmlns="" xmlns:m="http://schemas.openxmlformats.org/officeDocument/2006/math" xmlns:a14="http://schemas.microsoft.com/office/drawing/2010/main" xmlns:ma14="http://schemas.microsoft.com/office/mac/drawingml/2011/main" val="1"/>
             </a:ext>
           </a:extLst>
         </p:spPr>
@@ -6952,7 +6957,7 @@
           </a:ln>
           <a:extLst>
             <a:ext uri="{C572A759-6A51-4108-AA02-DFA0A04FC94B}">
-              <ma14:wrappingTextBoxFlag xmlns:ma14="http://schemas.microsoft.com/office/mac/drawingml/2011/main" xmlns:a14="http://schemas.microsoft.com/office/drawing/2010/main" xmlns:m="http://schemas.openxmlformats.org/officeDocument/2006/math" xmlns="" val="1"/>
+              <ma14:wrappingTextBoxFlag xmlns="" xmlns:m="http://schemas.openxmlformats.org/officeDocument/2006/math" xmlns:a14="http://schemas.microsoft.com/office/drawing/2010/main" xmlns:ma14="http://schemas.microsoft.com/office/mac/drawingml/2011/main" val="1"/>
             </a:ext>
           </a:extLst>
         </p:spPr>
@@ -7164,7 +7169,7 @@
           </a:ln>
           <a:extLst>
             <a:ext uri="{C572A759-6A51-4108-AA02-DFA0A04FC94B}">
-              <ma14:wrappingTextBoxFlag xmlns:ma14="http://schemas.microsoft.com/office/mac/drawingml/2011/main" xmlns:a14="http://schemas.microsoft.com/office/drawing/2010/main" xmlns:m="http://schemas.openxmlformats.org/officeDocument/2006/math" xmlns="" val="1"/>
+              <ma14:wrappingTextBoxFlag xmlns="" xmlns:m="http://schemas.openxmlformats.org/officeDocument/2006/math" xmlns:a14="http://schemas.microsoft.com/office/drawing/2010/main" xmlns:ma14="http://schemas.microsoft.com/office/mac/drawingml/2011/main" val="1"/>
             </a:ext>
           </a:extLst>
         </p:spPr>
@@ -8313,7 +8318,7 @@
           </a:ln>
           <a:extLst>
             <a:ext uri="{C572A759-6A51-4108-AA02-DFA0A04FC94B}">
-              <ma14:wrappingTextBoxFlag xmlns:ma14="http://schemas.microsoft.com/office/mac/drawingml/2011/main" xmlns:a14="http://schemas.microsoft.com/office/drawing/2010/main" xmlns:m="http://schemas.openxmlformats.org/officeDocument/2006/math" xmlns="" val="1"/>
+              <ma14:wrappingTextBoxFlag xmlns="" xmlns:m="http://schemas.openxmlformats.org/officeDocument/2006/math" xmlns:a14="http://schemas.microsoft.com/office/drawing/2010/main" xmlns:ma14="http://schemas.microsoft.com/office/mac/drawingml/2011/main" val="1"/>
             </a:ext>
           </a:extLst>
         </p:spPr>
@@ -8540,7 +8545,7 @@
           </a:ln>
           <a:extLst>
             <a:ext uri="{C572A759-6A51-4108-AA02-DFA0A04FC94B}">
-              <ma14:wrappingTextBoxFlag xmlns:ma14="http://schemas.microsoft.com/office/mac/drawingml/2011/main" xmlns:a14="http://schemas.microsoft.com/office/drawing/2010/main" xmlns:m="http://schemas.openxmlformats.org/officeDocument/2006/math" xmlns="" val="1"/>
+              <ma14:wrappingTextBoxFlag xmlns="" xmlns:m="http://schemas.openxmlformats.org/officeDocument/2006/math" xmlns:a14="http://schemas.microsoft.com/office/drawing/2010/main" xmlns:ma14="http://schemas.microsoft.com/office/mac/drawingml/2011/main" val="1"/>
             </a:ext>
           </a:extLst>
         </p:spPr>
@@ -8791,7 +8796,7 @@
           </a:ln>
           <a:extLst>
             <a:ext uri="{C572A759-6A51-4108-AA02-DFA0A04FC94B}">
-              <ma14:wrappingTextBoxFlag xmlns:ma14="http://schemas.microsoft.com/office/mac/drawingml/2011/main" xmlns:a14="http://schemas.microsoft.com/office/drawing/2010/main" xmlns:m="http://schemas.openxmlformats.org/officeDocument/2006/math" xmlns="" val="1"/>
+              <ma14:wrappingTextBoxFlag xmlns="" xmlns:m="http://schemas.openxmlformats.org/officeDocument/2006/math" xmlns:a14="http://schemas.microsoft.com/office/drawing/2010/main" xmlns:ma14="http://schemas.microsoft.com/office/mac/drawingml/2011/main" val="1"/>
             </a:ext>
           </a:extLst>
         </p:spPr>
@@ -8896,7 +8901,7 @@
           </a:ln>
           <a:extLst>
             <a:ext uri="{C572A759-6A51-4108-AA02-DFA0A04FC94B}">
-              <ma14:wrappingTextBoxFlag xmlns:ma14="http://schemas.microsoft.com/office/mac/drawingml/2011/main" xmlns:a14="http://schemas.microsoft.com/office/drawing/2010/main" xmlns:m="http://schemas.openxmlformats.org/officeDocument/2006/math" xmlns="" val="1"/>
+              <ma14:wrappingTextBoxFlag xmlns="" xmlns:m="http://schemas.openxmlformats.org/officeDocument/2006/math" xmlns:a14="http://schemas.microsoft.com/office/drawing/2010/main" xmlns:ma14="http://schemas.microsoft.com/office/mac/drawingml/2011/main" val="1"/>
             </a:ext>
           </a:extLst>
         </p:spPr>
@@ -8935,7 +8940,7 @@
           </a:ln>
           <a:extLst>
             <a:ext uri="{C572A759-6A51-4108-AA02-DFA0A04FC94B}">
-              <ma14:wrappingTextBoxFlag xmlns:ma14="http://schemas.microsoft.com/office/mac/drawingml/2011/main" xmlns:a14="http://schemas.microsoft.com/office/drawing/2010/main" xmlns:m="http://schemas.openxmlformats.org/officeDocument/2006/math" xmlns="" val="1"/>
+              <ma14:wrappingTextBoxFlag xmlns="" xmlns:m="http://schemas.openxmlformats.org/officeDocument/2006/math" xmlns:a14="http://schemas.microsoft.com/office/drawing/2010/main" xmlns:ma14="http://schemas.microsoft.com/office/mac/drawingml/2011/main" val="1"/>
             </a:ext>
           </a:extLst>
         </p:spPr>
@@ -10215,267 +10220,6 @@
           </a:p>
         </p:txBody>
       </p:sp>
-      <p:grpSp>
-        <p:nvGrpSpPr>
-          <p:cNvPr id="411" name="Gruppe 4"/>
-          <p:cNvGrpSpPr/>
-          <p:nvPr/>
-        </p:nvGrpSpPr>
-        <p:grpSpPr>
-          <a:xfrm>
-            <a:off x="661100" y="5983234"/>
-            <a:ext cx="7117131" cy="494707"/>
-            <a:chOff x="0" y="0"/>
-            <a:chExt cx="7117129" cy="494706"/>
-          </a:xfrm>
-        </p:grpSpPr>
-        <p:pic>
-          <p:nvPicPr>
-            <p:cNvPr id="404" name="Bilde 5" descr="Bilde 5"/>
-            <p:cNvPicPr>
-              <a:picLocks noChangeAspect="1"/>
-            </p:cNvPicPr>
-            <p:nvPr/>
-          </p:nvPicPr>
-          <p:blipFill>
-            <a:blip r:embed="rId2"/>
-            <a:srcRect l="1045" t="3237" r="1378" b="2458"/>
-            <a:stretch>
-              <a:fillRect/>
-            </a:stretch>
-          </p:blipFill>
-          <p:spPr>
-            <a:xfrm>
-              <a:off x="-1" y="-1"/>
-              <a:ext cx="1368002" cy="468002"/>
-            </a:xfrm>
-            <a:prstGeom prst="rect">
-              <a:avLst/>
-            </a:prstGeom>
-            <a:ln w="12700" cap="flat">
-              <a:noFill/>
-              <a:miter lim="400000"/>
-            </a:ln>
-            <a:effectLst>
-              <a:outerShdw blurRad="50800" dist="38100" dir="5400000" rotWithShape="0">
-                <a:srgbClr val="000000">
-                  <a:alpha val="40000"/>
-                </a:srgbClr>
-              </a:outerShdw>
-            </a:effectLst>
-          </p:spPr>
-        </p:pic>
-        <p:pic>
-          <p:nvPicPr>
-            <p:cNvPr id="405" name="Bilde 6" descr="Bilde 6"/>
-            <p:cNvPicPr>
-              <a:picLocks noChangeAspect="1"/>
-            </p:cNvPicPr>
-            <p:nvPr/>
-          </p:nvPicPr>
-          <p:blipFill>
-            <a:blip r:embed="rId3"/>
-            <a:srcRect l="3080" t="5288" r="2516" b="5246"/>
-            <a:stretch>
-              <a:fillRect/>
-            </a:stretch>
-          </p:blipFill>
-          <p:spPr>
-            <a:xfrm>
-              <a:off x="2379119" y="4971"/>
-              <a:ext cx="756001" cy="468001"/>
-            </a:xfrm>
-            <a:prstGeom prst="rect">
-              <a:avLst/>
-            </a:prstGeom>
-            <a:ln w="12700" cap="flat">
-              <a:noFill/>
-              <a:miter lim="400000"/>
-            </a:ln>
-            <a:effectLst>
-              <a:outerShdw blurRad="50800" dist="38100" dir="5400000" rotWithShape="0">
-                <a:srgbClr val="000000">
-                  <a:alpha val="40000"/>
-                </a:srgbClr>
-              </a:outerShdw>
-            </a:effectLst>
-          </p:spPr>
-        </p:pic>
-        <p:pic>
-          <p:nvPicPr>
-            <p:cNvPr id="406" name="Bilde 7" descr="Bilde 7"/>
-            <p:cNvPicPr>
-              <a:picLocks noChangeAspect="1"/>
-            </p:cNvPicPr>
-            <p:nvPr/>
-          </p:nvPicPr>
-          <p:blipFill>
-            <a:blip r:embed="rId4"/>
-            <a:srcRect l="3080" t="6067" r="2309" b="4101"/>
-            <a:stretch>
-              <a:fillRect/>
-            </a:stretch>
-          </p:blipFill>
-          <p:spPr>
-            <a:xfrm>
-              <a:off x="1476933" y="-1"/>
-              <a:ext cx="756001" cy="468002"/>
-            </a:xfrm>
-            <a:prstGeom prst="rect">
-              <a:avLst/>
-            </a:prstGeom>
-            <a:ln w="12700" cap="flat">
-              <a:noFill/>
-              <a:miter lim="400000"/>
-            </a:ln>
-            <a:effectLst>
-              <a:outerShdw blurRad="50800" dist="38100" dir="5400000" rotWithShape="0">
-                <a:srgbClr val="000000">
-                  <a:alpha val="40000"/>
-                </a:srgbClr>
-              </a:outerShdw>
-            </a:effectLst>
-          </p:spPr>
-        </p:pic>
-        <p:pic>
-          <p:nvPicPr>
-            <p:cNvPr id="407" name="Bilde 8" descr="Bilde 8"/>
-            <p:cNvPicPr>
-              <a:picLocks noChangeAspect="1"/>
-            </p:cNvPicPr>
-            <p:nvPr/>
-          </p:nvPicPr>
-          <p:blipFill>
-            <a:blip r:embed="rId5"/>
-            <a:srcRect l="2482" t="3962" r="2287" b="4079"/>
-            <a:stretch>
-              <a:fillRect/>
-            </a:stretch>
-          </p:blipFill>
-          <p:spPr>
-            <a:xfrm>
-              <a:off x="3223428" y="-1"/>
-              <a:ext cx="756001" cy="468002"/>
-            </a:xfrm>
-            <a:prstGeom prst="rect">
-              <a:avLst/>
-            </a:prstGeom>
-            <a:ln w="12700" cap="flat">
-              <a:noFill/>
-              <a:miter lim="400000"/>
-            </a:ln>
-            <a:effectLst>
-              <a:outerShdw blurRad="50800" dist="38100" dir="5400000" rotWithShape="0">
-                <a:srgbClr val="000000">
-                  <a:alpha val="40000"/>
-                </a:srgbClr>
-              </a:outerShdw>
-            </a:effectLst>
-          </p:spPr>
-        </p:pic>
-        <p:pic>
-          <p:nvPicPr>
-            <p:cNvPr id="408" name="Bilde 9" descr="Bilde 9"/>
-            <p:cNvPicPr>
-              <a:picLocks noChangeAspect="1"/>
-            </p:cNvPicPr>
-            <p:nvPr/>
-          </p:nvPicPr>
-          <p:blipFill>
-            <a:blip r:embed="rId6"/>
-            <a:srcRect t="9862" b="10105"/>
-            <a:stretch>
-              <a:fillRect/>
-            </a:stretch>
-          </p:blipFill>
-          <p:spPr>
-            <a:xfrm>
-              <a:off x="5503227" y="0"/>
-              <a:ext cx="756001" cy="468001"/>
-            </a:xfrm>
-            <a:prstGeom prst="rect">
-              <a:avLst/>
-            </a:prstGeom>
-            <a:ln w="12700" cap="flat">
-              <a:noFill/>
-              <a:miter lim="400000"/>
-            </a:ln>
-            <a:effectLst>
-              <a:outerShdw blurRad="50800" dist="38100" dir="5400000" rotWithShape="0">
-                <a:srgbClr val="000000">
-                  <a:alpha val="40000"/>
-                </a:srgbClr>
-              </a:outerShdw>
-            </a:effectLst>
-          </p:spPr>
-        </p:pic>
-        <p:pic>
-          <p:nvPicPr>
-            <p:cNvPr id="409" name="Bilde 10" descr="Bilde 10"/>
-            <p:cNvPicPr>
-              <a:picLocks noChangeAspect="1"/>
-            </p:cNvPicPr>
-            <p:nvPr/>
-          </p:nvPicPr>
-          <p:blipFill>
-            <a:blip r:embed="rId7"/>
-            <a:srcRect l="41899" t="34804" r="8931" b="29921"/>
-            <a:stretch>
-              <a:fillRect/>
-            </a:stretch>
-          </p:blipFill>
-          <p:spPr>
-            <a:xfrm>
-              <a:off x="4033326" y="26705"/>
-              <a:ext cx="1368001" cy="468001"/>
-            </a:xfrm>
-            <a:prstGeom prst="rect">
-              <a:avLst/>
-            </a:prstGeom>
-            <a:ln w="12700" cap="flat">
-              <a:noFill/>
-              <a:miter lim="400000"/>
-            </a:ln>
-            <a:effectLst/>
-          </p:spPr>
-        </p:pic>
-        <p:pic>
-          <p:nvPicPr>
-            <p:cNvPr id="410" name="Bilde 13" descr="Bilde 13"/>
-            <p:cNvPicPr>
-              <a:picLocks noChangeAspect="1"/>
-            </p:cNvPicPr>
-            <p:nvPr/>
-          </p:nvPicPr>
-          <p:blipFill>
-            <a:blip r:embed="rId8"/>
-            <a:srcRect l="14134" t="1999" r="13067" b="2174"/>
-            <a:stretch>
-              <a:fillRect/>
-            </a:stretch>
-          </p:blipFill>
-          <p:spPr>
-            <a:xfrm>
-              <a:off x="6361129" y="-1"/>
-              <a:ext cx="756001" cy="468002"/>
-            </a:xfrm>
-            <a:prstGeom prst="rect">
-              <a:avLst/>
-            </a:prstGeom>
-            <a:ln w="12700" cap="flat">
-              <a:noFill/>
-              <a:miter lim="400000"/>
-            </a:ln>
-            <a:effectLst>
-              <a:outerShdw blurRad="50800" dist="38100" dir="5400000" rotWithShape="0">
-                <a:srgbClr val="000000">
-                  <a:alpha val="40000"/>
-                </a:srgbClr>
-              </a:outerShdw>
-            </a:effectLst>
-          </p:spPr>
-        </p:pic>
-      </p:grpSp>
     </p:spTree>
   </p:cSld>
   <p:clrMapOvr>
@@ -10582,6 +10326,10 @@
             </a:r>
           </a:p>
           <a:p>
+            <a:pPr marL="285750" indent="-285750">
+              <a:buFont typeface="Arial" panose="020B0604020202020204" pitchFamily="34" charset="0"/>
+              <a:buChar char="•"/>
+            </a:pPr>
             <a:r>
               <a:rPr lang="nb-NO" sz="1800" dirty="0"/>
               <a:t>Bulk </a:t>
@@ -10604,6 +10352,10 @@
             </a:r>
           </a:p>
           <a:p>
+            <a:pPr marL="285750" indent="-285750">
+              <a:buFont typeface="Arial" panose="020B0604020202020204" pitchFamily="34" charset="0"/>
+              <a:buChar char="•"/>
+            </a:pPr>
             <a:r>
               <a:rPr lang="nb-NO" sz="1800" dirty="0" err="1"/>
               <a:t>Webhooks</a:t>
@@ -10779,14 +10531,6 @@
             </a:r>
             <a:r>
               <a:rPr lang="nb-NO" sz="1800" dirty="0" err="1"/>
-              <a:t>new</a:t>
-            </a:r>
-            <a:r>
-              <a:rPr lang="nb-NO" sz="1800" dirty="0"/>
-              <a:t> </a:t>
-            </a:r>
-            <a:r>
-              <a:rPr lang="nb-NO" sz="1800" dirty="0" err="1"/>
               <a:t>newsletter</a:t>
             </a:r>
             <a:r>
@@ -10909,15 +10653,7 @@
             </a:r>
             <a:r>
               <a:rPr lang="nb-NO" sz="1800" dirty="0"/>
-              <a:t> </a:t>
-            </a:r>
-            <a:r>
-              <a:rPr lang="nb-NO" sz="1800" dirty="0" err="1"/>
-              <a:t>perform</a:t>
-            </a:r>
-            <a:r>
-              <a:rPr lang="nb-NO" sz="1800" dirty="0"/>
-              <a:t> in </a:t>
+              <a:t> form in </a:t>
             </a:r>
             <a:r>
               <a:rPr lang="nb-NO" sz="1800" dirty="0" err="1"/>
@@ -11099,7 +10835,7 @@
             </a:r>
             <a:r>
               <a:rPr lang="nb-NO" sz="1800" dirty="0"/>
-              <a:t> overkill just </a:t>
+              <a:t> overkill for just </a:t>
             </a:r>
             <a:r>
               <a:rPr lang="nb-NO" sz="1800" dirty="0" err="1"/>
@@ -11120,184 +10856,6 @@
             <a:r>
               <a:rPr lang="nb-NO" sz="1800" dirty="0" err="1"/>
               <a:t>subscribers</a:t>
-            </a:r>
-            <a:r>
-              <a:rPr lang="nb-NO" sz="1800" dirty="0"/>
-              <a:t>.</a:t>
-            </a:r>
-          </a:p>
-          <a:p>
-            <a:pPr marL="342900" indent="-342900">
-              <a:buFont typeface="Arial" panose="020B0604020202020204" pitchFamily="34" charset="0"/>
-              <a:buChar char="•"/>
-            </a:pPr>
-            <a:r>
-              <a:rPr lang="nb-NO" sz="1800" dirty="0"/>
-              <a:t>Not so sure </a:t>
-            </a:r>
-            <a:r>
-              <a:rPr lang="nb-NO" sz="1800" dirty="0" err="1"/>
-              <a:t>about</a:t>
-            </a:r>
-            <a:r>
-              <a:rPr lang="nb-NO" sz="1800" dirty="0"/>
-              <a:t> </a:t>
-            </a:r>
-            <a:r>
-              <a:rPr lang="nb-NO" sz="1800" dirty="0" err="1"/>
-              <a:t>the</a:t>
-            </a:r>
-            <a:r>
-              <a:rPr lang="nb-NO" sz="1800" dirty="0"/>
-              <a:t> target system. Is it </a:t>
-            </a:r>
-            <a:r>
-              <a:rPr lang="nb-NO" sz="1800" dirty="0" err="1"/>
-              <a:t>on</a:t>
-            </a:r>
-            <a:r>
-              <a:rPr lang="nb-NO" sz="1800" dirty="0"/>
-              <a:t> </a:t>
-            </a:r>
-            <a:r>
-              <a:rPr lang="nb-NO" sz="1800" dirty="0" err="1"/>
-              <a:t>prem</a:t>
-            </a:r>
-            <a:r>
-              <a:rPr lang="nb-NO" sz="1800" dirty="0"/>
-              <a:t> or is </a:t>
-            </a:r>
-            <a:r>
-              <a:rPr lang="nb-NO" sz="1800" dirty="0" err="1"/>
-              <a:t>coop</a:t>
-            </a:r>
-            <a:r>
-              <a:rPr lang="nb-NO" sz="1800" dirty="0"/>
-              <a:t> </a:t>
-            </a:r>
-            <a:r>
-              <a:rPr lang="nb-NO" sz="1800" dirty="0" err="1"/>
-              <a:t>using</a:t>
-            </a:r>
-            <a:r>
-              <a:rPr lang="nb-NO" sz="1800" dirty="0"/>
-              <a:t> </a:t>
-            </a:r>
-            <a:r>
-              <a:rPr lang="nb-NO" sz="1800" dirty="0" err="1"/>
-              <a:t>the</a:t>
-            </a:r>
-            <a:r>
-              <a:rPr lang="nb-NO" sz="1800" dirty="0"/>
-              <a:t> </a:t>
-            </a:r>
-            <a:r>
-              <a:rPr lang="nb-NO" sz="1800" dirty="0" err="1"/>
-              <a:t>cloud</a:t>
-            </a:r>
-            <a:r>
-              <a:rPr lang="nb-NO" sz="1800" dirty="0"/>
-              <a:t> </a:t>
-            </a:r>
-            <a:r>
-              <a:rPr lang="nb-NO" sz="1800" dirty="0" err="1"/>
-              <a:t>version</a:t>
-            </a:r>
-            <a:r>
-              <a:rPr lang="nb-NO" sz="1800" dirty="0"/>
-              <a:t>. How </a:t>
-            </a:r>
-            <a:r>
-              <a:rPr lang="nb-NO" sz="1800" dirty="0" err="1"/>
-              <a:t>are</a:t>
-            </a:r>
-            <a:r>
-              <a:rPr lang="nb-NO" sz="1800" dirty="0"/>
-              <a:t> </a:t>
-            </a:r>
-            <a:r>
-              <a:rPr lang="nb-NO" sz="1800" dirty="0" err="1"/>
-              <a:t>the</a:t>
-            </a:r>
-            <a:r>
-              <a:rPr lang="nb-NO" sz="1800" dirty="0"/>
-              <a:t> </a:t>
-            </a:r>
-            <a:r>
-              <a:rPr lang="nb-NO" sz="1800" dirty="0" err="1"/>
-              <a:t>API’s</a:t>
-            </a:r>
-            <a:r>
-              <a:rPr lang="nb-NO" sz="1800" dirty="0"/>
-              <a:t>. It </a:t>
-            </a:r>
-            <a:r>
-              <a:rPr lang="nb-NO" sz="1800" dirty="0" err="1"/>
-              <a:t>would</a:t>
-            </a:r>
-            <a:r>
-              <a:rPr lang="nb-NO" sz="1800" dirty="0"/>
-              <a:t> not be </a:t>
-            </a:r>
-            <a:r>
-              <a:rPr lang="nb-NO" sz="1800" dirty="0" err="1"/>
-              <a:t>good</a:t>
-            </a:r>
-            <a:r>
-              <a:rPr lang="nb-NO" sz="1800" dirty="0"/>
-              <a:t> </a:t>
-            </a:r>
-            <a:r>
-              <a:rPr lang="nb-NO" sz="1800" dirty="0" err="1"/>
-              <a:t>of</a:t>
-            </a:r>
-            <a:r>
-              <a:rPr lang="nb-NO" sz="1800" dirty="0"/>
-              <a:t> </a:t>
-            </a:r>
-            <a:r>
-              <a:rPr lang="nb-NO" sz="1800" dirty="0" err="1"/>
-              <a:t>we</a:t>
-            </a:r>
-            <a:r>
-              <a:rPr lang="nb-NO" sz="1800" dirty="0"/>
-              <a:t> </a:t>
-            </a:r>
-            <a:r>
-              <a:rPr lang="nb-NO" sz="1800" dirty="0" err="1"/>
-              <a:t>ended</a:t>
-            </a:r>
-            <a:r>
-              <a:rPr lang="nb-NO" sz="1800" dirty="0"/>
-              <a:t> up </a:t>
-            </a:r>
-            <a:r>
-              <a:rPr lang="nb-NO" sz="1800" dirty="0" err="1"/>
-              <a:t>creating</a:t>
-            </a:r>
-            <a:r>
-              <a:rPr lang="nb-NO" sz="1800" dirty="0"/>
-              <a:t> a </a:t>
-            </a:r>
-            <a:r>
-              <a:rPr lang="nb-NO" sz="1800" dirty="0" err="1"/>
-              <a:t>new</a:t>
-            </a:r>
-            <a:r>
-              <a:rPr lang="nb-NO" sz="1800" dirty="0"/>
-              <a:t> file for </a:t>
-            </a:r>
-            <a:r>
-              <a:rPr lang="nb-NO" sz="1800" dirty="0" err="1"/>
-              <a:t>each</a:t>
-            </a:r>
-            <a:r>
-              <a:rPr lang="nb-NO" sz="1800" dirty="0"/>
-              <a:t> </a:t>
-            </a:r>
-            <a:r>
-              <a:rPr lang="nb-NO" sz="1800" dirty="0" err="1"/>
-              <a:t>subscriber</a:t>
             </a:r>
             <a:r>
               <a:rPr lang="nb-NO" sz="1800" dirty="0"/>
@@ -11596,10 +11154,42 @@
             </a:r>
             <a:r>
               <a:rPr lang="nb-NO" sz="1800" dirty="0"/>
+              <a:t> and </a:t>
+            </a:r>
+            <a:r>
+              <a:rPr lang="nb-NO" sz="1800" dirty="0" err="1"/>
+              <a:t>executed</a:t>
+            </a:r>
+            <a:r>
+              <a:rPr lang="nb-NO" sz="1800" dirty="0"/>
               <a:t> </a:t>
             </a:r>
             <a:r>
               <a:rPr lang="nb-NO" sz="1800" dirty="0" err="1"/>
+              <a:t>on</a:t>
+            </a:r>
+            <a:r>
+              <a:rPr lang="nb-NO" sz="1800" dirty="0"/>
+              <a:t> a </a:t>
+            </a:r>
+            <a:r>
+              <a:rPr lang="nb-NO" sz="1800" dirty="0" err="1"/>
+              <a:t>schedule</a:t>
+            </a:r>
+            <a:r>
+              <a:rPr lang="nb-NO" sz="1800" dirty="0"/>
+              <a:t>. For </a:t>
+            </a:r>
+            <a:r>
+              <a:rPr lang="nb-NO" sz="1800" dirty="0" err="1"/>
+              <a:t>example</a:t>
+            </a:r>
+            <a:r>
+              <a:rPr lang="nb-NO" sz="1800" dirty="0"/>
+              <a:t> </a:t>
+            </a:r>
+            <a:r>
+              <a:rPr lang="nb-NO" sz="1800" dirty="0" err="1"/>
               <a:t>using</a:t>
             </a:r>
             <a:r>
@@ -11608,7 +11198,7 @@
             </a:r>
             <a:r>
               <a:rPr lang="nb-NO" sz="1800" dirty="0" err="1"/>
-              <a:t>the</a:t>
+              <a:t>serverless</a:t>
             </a:r>
             <a:r>
               <a:rPr lang="nb-NO" sz="1800" dirty="0"/>
@@ -11616,7 +11206,7 @@
             </a:r>
             <a:r>
               <a:rPr lang="nb-NO" sz="1800" dirty="0" err="1"/>
-              <a:t>serverless</a:t>
+              <a:t>function</a:t>
             </a:r>
             <a:r>
               <a:rPr lang="nb-NO" sz="1800" dirty="0"/>
@@ -11624,12 +11214,9 @@
             </a:r>
             <a:r>
               <a:rPr lang="nb-NO" sz="1800" dirty="0" err="1"/>
-              <a:t>approach</a:t>
-            </a:r>
-            <a:r>
-              <a:rPr lang="nb-NO" sz="1800" dirty="0"/>
-              <a:t>.</a:t>
-            </a:r>
+              <a:t>events</a:t>
+            </a:r>
+            <a:endParaRPr lang="nb-NO" sz="1800" dirty="0"/>
           </a:p>
           <a:p>
             <a:pPr marL="285750" indent="-285750">
@@ -12514,7 +12101,66 @@
               <a:rPr lang="nb-NO" sz="1800" dirty="0" err="1"/>
               <a:t>serverless</a:t>
             </a:r>
-            <a:endParaRPr lang="nb-NO" sz="1800" dirty="0"/>
+            <a:r>
+              <a:rPr lang="nb-NO" sz="1800" dirty="0"/>
+              <a:t> </a:t>
+            </a:r>
+            <a:r>
+              <a:rPr lang="nb-NO" sz="1800" dirty="0" err="1"/>
+              <a:t>that</a:t>
+            </a:r>
+            <a:r>
+              <a:rPr lang="nb-NO" sz="1800" dirty="0"/>
+              <a:t> </a:t>
+            </a:r>
+            <a:r>
+              <a:rPr lang="nb-NO" sz="1800" dirty="0" err="1"/>
+              <a:t>reduces</a:t>
+            </a:r>
+            <a:r>
+              <a:rPr lang="nb-NO" sz="1800" dirty="0"/>
+              <a:t> </a:t>
+            </a:r>
+            <a:r>
+              <a:rPr lang="nb-NO" sz="1800" dirty="0" err="1"/>
+              <a:t>cost</a:t>
+            </a:r>
+            <a:r>
+              <a:rPr lang="nb-NO" sz="1800" dirty="0"/>
+              <a:t> and </a:t>
+            </a:r>
+            <a:r>
+              <a:rPr lang="nb-NO" sz="1800" dirty="0" err="1"/>
+              <a:t>does</a:t>
+            </a:r>
+            <a:r>
+              <a:rPr lang="nb-NO" sz="1800" dirty="0"/>
+              <a:t> not </a:t>
+            </a:r>
+            <a:r>
+              <a:rPr lang="nb-NO" sz="1800" dirty="0" err="1"/>
+              <a:t>require</a:t>
+            </a:r>
+            <a:r>
+              <a:rPr lang="nb-NO" sz="1800" dirty="0"/>
+              <a:t> </a:t>
+            </a:r>
+            <a:r>
+              <a:rPr lang="nb-NO" sz="1800" dirty="0" err="1"/>
+              <a:t>alot</a:t>
+            </a:r>
+            <a:r>
+              <a:rPr lang="nb-NO" sz="1800" dirty="0"/>
+              <a:t> </a:t>
+            </a:r>
+            <a:r>
+              <a:rPr lang="nb-NO" sz="1800" dirty="0" err="1"/>
+              <a:t>of</a:t>
+            </a:r>
+            <a:r>
+              <a:rPr lang="nb-NO" sz="1800" dirty="0"/>
+              <a:t> management.</a:t>
+            </a:r>
           </a:p>
           <a:p>
             <a:pPr marL="342900" indent="-342900">
